--- a/courses/cse545/slides/08-heap-1.pptx
+++ b/courses/cse545/slides/08-heap-1.pptx
@@ -16303,12 +16303,6 @@
             <a:pPr marL="50799" indent="0">
               <a:buNone/>
             </a:pPr>
-            <a:endParaRPr lang="en-US" dirty="0"/>
-          </a:p>
-          <a:p>
-            <a:pPr marL="50799" indent="0">
-              <a:buNone/>
-            </a:pPr>
             <a:r>
               <a:rPr lang="en-US" dirty="0" err="1"/>
               <a:t>nc</a:t>
@@ -16329,9 +16323,38 @@
               <a:buNone/>
             </a:pPr>
             <a:r>
-              <a:rPr lang="en-US"/>
+              <a:rPr lang="en-US" sz="1800" dirty="0"/>
               <a:t>binary: </a:t>
             </a:r>
+            <a:r>
+              <a:rPr lang="en-US" sz="1800" dirty="0">
+                <a:hlinkClick r:id="rId2"/>
+              </a:rPr>
+              <a:t>https://www.tiffanybao.com//courses/cse545/labs/week8/use_after_free</a:t>
+            </a:r>
+            <a:endParaRPr lang="en-US" sz="1800" dirty="0"/>
+          </a:p>
+          <a:p>
+            <a:pPr marL="50799" indent="0">
+              <a:buNone/>
+            </a:pPr>
+            <a:endParaRPr lang="en-US" sz="1800" dirty="0"/>
+          </a:p>
+          <a:p>
+            <a:pPr marL="50799" indent="0">
+              <a:buNone/>
+            </a:pPr>
+            <a:r>
+              <a:rPr lang="en-US" sz="1800" dirty="0"/>
+              <a:t>source: </a:t>
+            </a:r>
+            <a:r>
+              <a:rPr lang="en-US" sz="1800" dirty="0">
+                <a:hlinkClick r:id="rId3"/>
+              </a:rPr>
+              <a:t>https://www.tiffanybao.com//courses/cse545/labs/week8/use_after_free.c</a:t>
+            </a:r>
+            <a:endParaRPr lang="en-US" sz="1800" dirty="0"/>
           </a:p>
         </p:txBody>
       </p:sp>
